--- a/Django Part III.pptx
+++ b/Django Part III.pptx
@@ -267,7 +267,7 @@
           <a:p>
             <a:fld id="{8A4D8219-46D4-43AA-B4C6-FDD74C078E2B}" type="datetimeFigureOut">
               <a:rPr lang="en-US" smtClean="0"/>
-              <a:t>4/21/2020</a:t>
+              <a:t>11/29/2020</a:t>
             </a:fld>
             <a:endParaRPr lang="en-US"/>
           </a:p>
@@ -465,7 +465,7 @@
           <a:p>
             <a:fld id="{8A4D8219-46D4-43AA-B4C6-FDD74C078E2B}" type="datetimeFigureOut">
               <a:rPr lang="en-US" smtClean="0"/>
-              <a:t>4/21/2020</a:t>
+              <a:t>11/29/2020</a:t>
             </a:fld>
             <a:endParaRPr lang="en-US"/>
           </a:p>
@@ -673,7 +673,7 @@
           <a:p>
             <a:fld id="{8A4D8219-46D4-43AA-B4C6-FDD74C078E2B}" type="datetimeFigureOut">
               <a:rPr lang="en-US" smtClean="0"/>
-              <a:t>4/21/2020</a:t>
+              <a:t>11/29/2020</a:t>
             </a:fld>
             <a:endParaRPr lang="en-US"/>
           </a:p>
@@ -871,7 +871,7 @@
           <a:p>
             <a:fld id="{8A4D8219-46D4-43AA-B4C6-FDD74C078E2B}" type="datetimeFigureOut">
               <a:rPr lang="en-US" smtClean="0"/>
-              <a:t>4/21/2020</a:t>
+              <a:t>11/29/2020</a:t>
             </a:fld>
             <a:endParaRPr lang="en-US"/>
           </a:p>
@@ -1146,7 +1146,7 @@
           <a:p>
             <a:fld id="{8A4D8219-46D4-43AA-B4C6-FDD74C078E2B}" type="datetimeFigureOut">
               <a:rPr lang="en-US" smtClean="0"/>
-              <a:t>4/21/2020</a:t>
+              <a:t>11/29/2020</a:t>
             </a:fld>
             <a:endParaRPr lang="en-US"/>
           </a:p>
@@ -1411,7 +1411,7 @@
           <a:p>
             <a:fld id="{8A4D8219-46D4-43AA-B4C6-FDD74C078E2B}" type="datetimeFigureOut">
               <a:rPr lang="en-US" smtClean="0"/>
-              <a:t>4/21/2020</a:t>
+              <a:t>11/29/2020</a:t>
             </a:fld>
             <a:endParaRPr lang="en-US"/>
           </a:p>
@@ -1823,7 +1823,7 @@
           <a:p>
             <a:fld id="{8A4D8219-46D4-43AA-B4C6-FDD74C078E2B}" type="datetimeFigureOut">
               <a:rPr lang="en-US" smtClean="0"/>
-              <a:t>4/21/2020</a:t>
+              <a:t>11/29/2020</a:t>
             </a:fld>
             <a:endParaRPr lang="en-US"/>
           </a:p>
@@ -1964,7 +1964,7 @@
           <a:p>
             <a:fld id="{8A4D8219-46D4-43AA-B4C6-FDD74C078E2B}" type="datetimeFigureOut">
               <a:rPr lang="en-US" smtClean="0"/>
-              <a:t>4/21/2020</a:t>
+              <a:t>11/29/2020</a:t>
             </a:fld>
             <a:endParaRPr lang="en-US"/>
           </a:p>
@@ -2077,7 +2077,7 @@
           <a:p>
             <a:fld id="{8A4D8219-46D4-43AA-B4C6-FDD74C078E2B}" type="datetimeFigureOut">
               <a:rPr lang="en-US" smtClean="0"/>
-              <a:t>4/21/2020</a:t>
+              <a:t>11/29/2020</a:t>
             </a:fld>
             <a:endParaRPr lang="en-US"/>
           </a:p>
@@ -2388,7 +2388,7 @@
           <a:p>
             <a:fld id="{8A4D8219-46D4-43AA-B4C6-FDD74C078E2B}" type="datetimeFigureOut">
               <a:rPr lang="en-US" smtClean="0"/>
-              <a:t>4/21/2020</a:t>
+              <a:t>11/29/2020</a:t>
             </a:fld>
             <a:endParaRPr lang="en-US"/>
           </a:p>
@@ -2676,7 +2676,7 @@
           <a:p>
             <a:fld id="{8A4D8219-46D4-43AA-B4C6-FDD74C078E2B}" type="datetimeFigureOut">
               <a:rPr lang="en-US" smtClean="0"/>
-              <a:t>4/21/2020</a:t>
+              <a:t>11/29/2020</a:t>
             </a:fld>
             <a:endParaRPr lang="en-US"/>
           </a:p>
@@ -2917,7 +2917,7 @@
           <a:p>
             <a:fld id="{8A4D8219-46D4-43AA-B4C6-FDD74C078E2B}" type="datetimeFigureOut">
               <a:rPr lang="en-US" smtClean="0"/>
-              <a:t>4/21/2020</a:t>
+              <a:t>11/29/2020</a:t>
             </a:fld>
             <a:endParaRPr lang="en-US"/>
           </a:p>
